--- a/문제설명/4회/COS PRO 2급 모의고사4회 3번문제.pptx
+++ b/문제설명/4회/COS PRO 2급 모의고사4회 3번문제.pptx
@@ -379,7 +379,7 @@
           <a:p>
             <a:fld id="{FBE5E09B-7008-49A3-A9A8-806D0D2CB575}" type="datetimeFigureOut">
               <a:rPr lang="ko-KR" altLang="en-US" smtClean="0"/>
-              <a:t>2020-05-14</a:t>
+              <a:t>2020-07-21</a:t>
             </a:fld>
             <a:endParaRPr lang="ko-KR" altLang="en-US"/>
           </a:p>
@@ -793,7 +793,7 @@
           <a:p>
             <a:fld id="{2BC63D22-E3DE-4F13-8C6B-78CAF8FAA2EE}" type="datetime1">
               <a:rPr lang="ko-KR" altLang="en-US" smtClean="0"/>
-              <a:t>2020-05-14</a:t>
+              <a:t>2020-07-21</a:t>
             </a:fld>
             <a:endParaRPr lang="ko-KR" altLang="en-US"/>
           </a:p>
@@ -994,7 +994,7 @@
           <a:p>
             <a:fld id="{BB0CF6F3-A65E-4F61-A36B-D89BD3B48E24}" type="datetime1">
               <a:rPr lang="ko-KR" altLang="en-US" smtClean="0"/>
-              <a:t>2020-05-14</a:t>
+              <a:t>2020-07-21</a:t>
             </a:fld>
             <a:endParaRPr lang="ko-KR" altLang="en-US"/>
           </a:p>
@@ -1205,7 +1205,7 @@
           <a:p>
             <a:fld id="{82F93EBA-ECAA-4A97-9F8C-5C58A4D2271E}" type="datetime1">
               <a:rPr lang="ko-KR" altLang="en-US" smtClean="0"/>
-              <a:t>2020-05-14</a:t>
+              <a:t>2020-07-21</a:t>
             </a:fld>
             <a:endParaRPr lang="ko-KR" altLang="en-US"/>
           </a:p>
@@ -1406,7 +1406,7 @@
           <a:p>
             <a:fld id="{F2632BD5-E3B0-4E34-A99C-12AF310DB67D}" type="datetime1">
               <a:rPr lang="ko-KR" altLang="en-US" smtClean="0"/>
-              <a:t>2020-05-14</a:t>
+              <a:t>2020-07-21</a:t>
             </a:fld>
             <a:endParaRPr lang="ko-KR" altLang="en-US"/>
           </a:p>
@@ -1684,7 +1684,7 @@
           <a:p>
             <a:fld id="{445F1953-64A8-48B7-8478-F97E83AEE901}" type="datetime1">
               <a:rPr lang="ko-KR" altLang="en-US" smtClean="0"/>
-              <a:t>2020-05-14</a:t>
+              <a:t>2020-07-21</a:t>
             </a:fld>
             <a:endParaRPr lang="ko-KR" altLang="en-US"/>
           </a:p>
@@ -1952,7 +1952,7 @@
           <a:p>
             <a:fld id="{1E6EA60A-42A6-4E5A-8968-FD93F94CF728}" type="datetime1">
               <a:rPr lang="ko-KR" altLang="en-US" smtClean="0"/>
-              <a:t>2020-05-14</a:t>
+              <a:t>2020-07-21</a:t>
             </a:fld>
             <a:endParaRPr lang="ko-KR" altLang="en-US"/>
           </a:p>
@@ -2367,7 +2367,7 @@
           <a:p>
             <a:fld id="{001CBB6E-4130-4407-91EB-06EF2AAC4656}" type="datetime1">
               <a:rPr lang="ko-KR" altLang="en-US" smtClean="0"/>
-              <a:t>2020-05-14</a:t>
+              <a:t>2020-07-21</a:t>
             </a:fld>
             <a:endParaRPr lang="ko-KR" altLang="en-US"/>
           </a:p>
@@ -2511,7 +2511,7 @@
           <a:p>
             <a:fld id="{5556902D-F324-49C9-9C98-1B217B954057}" type="datetime1">
               <a:rPr lang="ko-KR" altLang="en-US" smtClean="0"/>
-              <a:t>2020-05-14</a:t>
+              <a:t>2020-07-21</a:t>
             </a:fld>
             <a:endParaRPr lang="ko-KR" altLang="en-US"/>
           </a:p>
@@ -2627,7 +2627,7 @@
           <a:p>
             <a:fld id="{BD18CBF1-05C8-44CD-977F-74A4A8B04DAD}" type="datetime1">
               <a:rPr lang="ko-KR" altLang="en-US" smtClean="0"/>
-              <a:t>2020-05-14</a:t>
+              <a:t>2020-07-21</a:t>
             </a:fld>
             <a:endParaRPr lang="ko-KR" altLang="en-US"/>
           </a:p>
@@ -2941,7 +2941,7 @@
           <a:p>
             <a:fld id="{6FE505FF-ACAE-4A96-AA70-77A0FEA17C7A}" type="datetime1">
               <a:rPr lang="ko-KR" altLang="en-US" smtClean="0"/>
-              <a:t>2020-05-14</a:t>
+              <a:t>2020-07-21</a:t>
             </a:fld>
             <a:endParaRPr lang="ko-KR" altLang="en-US"/>
           </a:p>
@@ -3232,7 +3232,7 @@
           <a:p>
             <a:fld id="{E4D31414-B4DD-4889-8019-8E2BB5D805E9}" type="datetime1">
               <a:rPr lang="ko-KR" altLang="en-US" smtClean="0"/>
-              <a:t>2020-05-14</a:t>
+              <a:t>2020-07-21</a:t>
             </a:fld>
             <a:endParaRPr lang="ko-KR" altLang="en-US"/>
           </a:p>
@@ -3476,7 +3476,7 @@
           <a:p>
             <a:fld id="{B9A4C4C2-7B8E-494F-BAEB-E7B104981483}" type="datetime1">
               <a:rPr lang="ko-KR" altLang="en-US" smtClean="0"/>
-              <a:t>2020-05-14</a:t>
+              <a:t>2020-07-21</a:t>
             </a:fld>
             <a:endParaRPr lang="ko-KR" altLang="en-US"/>
           </a:p>
@@ -7341,17 +7341,223 @@
                 </a:solidFill>
                 <a:latin typeface="Consolas" panose="020B0609020204030204" pitchFamily="49" charset="0"/>
               </a:rPr>
+              <a:t>(@@@);</a:t>
+            </a:r>
+          </a:p>
+          <a:p>
+            <a:r>
+              <a:rPr lang="en-US" altLang="ko-KR" dirty="0">
+                <a:solidFill>
+                  <a:srgbClr val="000000"/>
+                </a:solidFill>
+                <a:latin typeface="Consolas" panose="020B0609020204030204" pitchFamily="49" charset="0"/>
+              </a:rPr>
+              <a:t>        String </a:t>
+            </a:r>
+            <a:r>
+              <a:rPr lang="en-US" altLang="ko-KR" dirty="0" err="1">
+                <a:solidFill>
+                  <a:srgbClr val="6A3E3E"/>
+                </a:solidFill>
+                <a:latin typeface="Consolas" panose="020B0609020204030204" pitchFamily="49" charset="0"/>
+              </a:rPr>
+              <a:t>bCards</a:t>
+            </a:r>
+            <a:r>
+              <a:rPr lang="en-US" altLang="ko-KR" dirty="0">
+                <a:solidFill>
+                  <a:srgbClr val="000000"/>
+                </a:solidFill>
+                <a:latin typeface="Consolas" panose="020B0609020204030204" pitchFamily="49" charset="0"/>
+              </a:rPr>
+              <a:t> = </a:t>
+            </a:r>
+            <a:r>
+              <a:rPr lang="en-US" altLang="ko-KR" dirty="0" err="1">
+                <a:solidFill>
+                  <a:srgbClr val="000000"/>
+                </a:solidFill>
+                <a:latin typeface="Consolas" panose="020B0609020204030204" pitchFamily="49" charset="0"/>
+              </a:rPr>
+              <a:t>func_a</a:t>
+            </a:r>
+            <a:r>
+              <a:rPr lang="en-US" altLang="ko-KR" dirty="0">
+                <a:solidFill>
+                  <a:srgbClr val="000000"/>
+                </a:solidFill>
+                <a:latin typeface="Consolas" panose="020B0609020204030204" pitchFamily="49" charset="0"/>
+              </a:rPr>
+              <a:t>(@@@);</a:t>
+            </a:r>
+          </a:p>
+          <a:p>
+            <a:r>
+              <a:rPr lang="en-US" altLang="ko-KR" dirty="0">
+                <a:solidFill>
+                  <a:srgbClr val="000000"/>
+                </a:solidFill>
+                <a:latin typeface="Consolas" panose="020B0609020204030204" pitchFamily="49" charset="0"/>
+              </a:rPr>
+              <a:t>        </a:t>
+            </a:r>
+            <a:r>
+              <a:rPr lang="en-US" altLang="ko-KR" b="1" dirty="0">
+                <a:solidFill>
+                  <a:srgbClr val="7F0055"/>
+                </a:solidFill>
+                <a:latin typeface="Consolas" panose="020B0609020204030204" pitchFamily="49" charset="0"/>
+              </a:rPr>
+              <a:t>int</a:t>
+            </a:r>
+            <a:r>
+              <a:rPr lang="en-US" altLang="ko-KR" b="1" dirty="0">
+                <a:solidFill>
+                  <a:srgbClr val="000000"/>
+                </a:solidFill>
+                <a:latin typeface="Consolas" panose="020B0609020204030204" pitchFamily="49" charset="0"/>
+              </a:rPr>
+              <a:t> </a:t>
+            </a:r>
+            <a:r>
+              <a:rPr lang="en-US" altLang="ko-KR" b="1" dirty="0" err="1">
+                <a:solidFill>
+                  <a:srgbClr val="6A3E3E"/>
+                </a:solidFill>
+                <a:latin typeface="Consolas" panose="020B0609020204030204" pitchFamily="49" charset="0"/>
+              </a:rPr>
+              <a:t>aScore</a:t>
+            </a:r>
+            <a:r>
+              <a:rPr lang="en-US" altLang="ko-KR" b="1" dirty="0">
+                <a:solidFill>
+                  <a:srgbClr val="000000"/>
+                </a:solidFill>
+                <a:latin typeface="Consolas" panose="020B0609020204030204" pitchFamily="49" charset="0"/>
+              </a:rPr>
+              <a:t> = </a:t>
+            </a:r>
+            <a:r>
+              <a:rPr lang="en-US" altLang="ko-KR" b="1" dirty="0" err="1">
+                <a:solidFill>
+                  <a:srgbClr val="000000"/>
+                </a:solidFill>
+                <a:latin typeface="Consolas" panose="020B0609020204030204" pitchFamily="49" charset="0"/>
+              </a:rPr>
+              <a:t>func_c</a:t>
+            </a:r>
+            <a:r>
+              <a:rPr lang="en-US" altLang="ko-KR" b="1" dirty="0">
+                <a:solidFill>
+                  <a:srgbClr val="000000"/>
+                </a:solidFill>
+                <a:latin typeface="Consolas" panose="020B0609020204030204" pitchFamily="49" charset="0"/>
+              </a:rPr>
               <a:t>(</a:t>
             </a:r>
             <a:r>
+              <a:rPr lang="en-US" altLang="ko-KR" b="1" dirty="0">
+                <a:solidFill>
+                  <a:srgbClr val="6A3E3E"/>
+                </a:solidFill>
+                <a:latin typeface="Consolas" panose="020B0609020204030204" pitchFamily="49" charset="0"/>
+              </a:rPr>
+              <a:t>@@@</a:t>
+            </a:r>
+            <a:r>
+              <a:rPr lang="en-US" altLang="ko-KR" b="1" dirty="0">
+                <a:solidFill>
+                  <a:srgbClr val="000000"/>
+                </a:solidFill>
+                <a:latin typeface="Consolas" panose="020B0609020204030204" pitchFamily="49" charset="0"/>
+              </a:rPr>
+              <a:t>);</a:t>
+            </a:r>
+          </a:p>
+          <a:p>
+            <a:r>
               <a:rPr lang="en-US" altLang="ko-KR" dirty="0">
                 <a:solidFill>
+                  <a:srgbClr val="000000"/>
+                </a:solidFill>
+                <a:latin typeface="Consolas" panose="020B0609020204030204" pitchFamily="49" charset="0"/>
+              </a:rPr>
+              <a:t>        </a:t>
+            </a:r>
+            <a:r>
+              <a:rPr lang="en-US" altLang="ko-KR" b="1" dirty="0">
+                <a:solidFill>
+                  <a:srgbClr val="7F0055"/>
+                </a:solidFill>
+                <a:latin typeface="Consolas" panose="020B0609020204030204" pitchFamily="49" charset="0"/>
+              </a:rPr>
+              <a:t>int</a:t>
+            </a:r>
+            <a:r>
+              <a:rPr lang="en-US" altLang="ko-KR" b="1" dirty="0">
+                <a:solidFill>
+                  <a:srgbClr val="000000"/>
+                </a:solidFill>
+                <a:latin typeface="Consolas" panose="020B0609020204030204" pitchFamily="49" charset="0"/>
+              </a:rPr>
+              <a:t> </a:t>
+            </a:r>
+            <a:r>
+              <a:rPr lang="en-US" altLang="ko-KR" b="1" dirty="0" err="1">
+                <a:solidFill>
                   <a:srgbClr val="6A3E3E"/>
                 </a:solidFill>
                 <a:latin typeface="Consolas" panose="020B0609020204030204" pitchFamily="49" charset="0"/>
               </a:rPr>
-              <a:t>bundle</a:t>
-            </a:r>
+              <a:t>bScore</a:t>
+            </a:r>
+            <a:r>
+              <a:rPr lang="en-US" altLang="ko-KR" b="1" dirty="0">
+                <a:solidFill>
+                  <a:srgbClr val="000000"/>
+                </a:solidFill>
+                <a:latin typeface="Consolas" panose="020B0609020204030204" pitchFamily="49" charset="0"/>
+              </a:rPr>
+              <a:t> = </a:t>
+            </a:r>
+            <a:r>
+              <a:rPr lang="en-US" altLang="ko-KR" b="1" dirty="0" err="1">
+                <a:solidFill>
+                  <a:srgbClr val="000000"/>
+                </a:solidFill>
+                <a:latin typeface="Consolas" panose="020B0609020204030204" pitchFamily="49" charset="0"/>
+              </a:rPr>
+              <a:t>func_c</a:t>
+            </a:r>
+            <a:r>
+              <a:rPr lang="en-US" altLang="ko-KR" b="1" dirty="0">
+                <a:solidFill>
+                  <a:srgbClr val="000000"/>
+                </a:solidFill>
+                <a:latin typeface="Consolas" panose="020B0609020204030204" pitchFamily="49" charset="0"/>
+              </a:rPr>
+              <a:t>(</a:t>
+            </a:r>
+            <a:r>
+              <a:rPr lang="en-US" altLang="ko-KR" b="1" dirty="0">
+                <a:solidFill>
+                  <a:srgbClr val="6A3E3E"/>
+                </a:solidFill>
+                <a:latin typeface="Consolas" panose="020B0609020204030204" pitchFamily="49" charset="0"/>
+              </a:rPr>
+              <a:t>@@@</a:t>
+            </a:r>
+            <a:r>
+              <a:rPr lang="en-US" altLang="ko-KR" b="1" dirty="0">
+                <a:solidFill>
+                  <a:srgbClr val="000000"/>
+                </a:solidFill>
+                <a:latin typeface="Consolas" panose="020B0609020204030204" pitchFamily="49" charset="0"/>
+              </a:rPr>
+              <a:t>);</a:t>
+            </a:r>
+          </a:p>
+          <a:p>
             <a:r>
               <a:rPr lang="en-US" altLang="ko-KR" dirty="0">
                 <a:solidFill>
@@ -7359,19 +7565,91 @@
                 </a:solidFill>
                 <a:latin typeface="Consolas" panose="020B0609020204030204" pitchFamily="49" charset="0"/>
               </a:rPr>
-              <a:t>, 0, </a:t>
-            </a:r>
-            <a:r>
-              <a:rPr lang="en-US" altLang="ko-KR" dirty="0">
+              <a:t>        </a:t>
+            </a:r>
+            <a:r>
+              <a:rPr lang="en-US" altLang="ko-KR" b="1" dirty="0">
+                <a:solidFill>
+                  <a:srgbClr val="7F0055"/>
+                </a:solidFill>
+                <a:latin typeface="Consolas" panose="020B0609020204030204" pitchFamily="49" charset="0"/>
+              </a:rPr>
+              <a:t>int</a:t>
+            </a:r>
+            <a:r>
+              <a:rPr lang="en-US" altLang="ko-KR" b="1" dirty="0">
+                <a:solidFill>
+                  <a:srgbClr val="000000"/>
+                </a:solidFill>
+                <a:latin typeface="Consolas" panose="020B0609020204030204" pitchFamily="49" charset="0"/>
+              </a:rPr>
+              <a:t>[] </a:t>
+            </a:r>
+            <a:r>
+              <a:rPr lang="en-US" altLang="ko-KR" b="1" dirty="0">
                 <a:solidFill>
                   <a:srgbClr val="6A3E3E"/>
                 </a:solidFill>
                 <a:latin typeface="Consolas" panose="020B0609020204030204" pitchFamily="49" charset="0"/>
               </a:rPr>
-              <a:t>n</a:t>
-            </a:r>
-            <a:r>
-              <a:rPr lang="en-US" altLang="ko-KR" dirty="0">
+              <a:t>answer</a:t>
+            </a:r>
+            <a:r>
+              <a:rPr lang="en-US" altLang="ko-KR" b="1" dirty="0">
+                <a:solidFill>
+                  <a:srgbClr val="000000"/>
+                </a:solidFill>
+                <a:latin typeface="Consolas" panose="020B0609020204030204" pitchFamily="49" charset="0"/>
+              </a:rPr>
+              <a:t> = </a:t>
+            </a:r>
+            <a:r>
+              <a:rPr lang="en-US" altLang="ko-KR" b="1" dirty="0" err="1">
+                <a:solidFill>
+                  <a:srgbClr val="000000"/>
+                </a:solidFill>
+                <a:latin typeface="Consolas" panose="020B0609020204030204" pitchFamily="49" charset="0"/>
+              </a:rPr>
+              <a:t>func_b</a:t>
+            </a:r>
+            <a:r>
+              <a:rPr lang="en-US" altLang="ko-KR" b="1">
+                <a:solidFill>
+                  <a:srgbClr val="000000"/>
+                </a:solidFill>
+                <a:latin typeface="Consolas" panose="020B0609020204030204" pitchFamily="49" charset="0"/>
+              </a:rPr>
+              <a:t>(</a:t>
+            </a:r>
+            <a:r>
+              <a:rPr lang="en-US" altLang="ko-KR" b="1">
+                <a:solidFill>
+                  <a:srgbClr val="6A3E3E"/>
+                </a:solidFill>
+                <a:latin typeface="Consolas" panose="020B0609020204030204" pitchFamily="49" charset="0"/>
+              </a:rPr>
+              <a:t>@@@</a:t>
+            </a:r>
+            <a:r>
+              <a:rPr lang="en-US" altLang="ko-KR" b="1">
+                <a:solidFill>
+                  <a:srgbClr val="000000"/>
+                </a:solidFill>
+                <a:latin typeface="Consolas" panose="020B0609020204030204" pitchFamily="49" charset="0"/>
+              </a:rPr>
+              <a:t>, </a:t>
+            </a:r>
+            <a:r>
+              <a:rPr lang="en-US" altLang="ko-KR" b="1">
+                <a:solidFill>
+                  <a:srgbClr val="6A3E3E"/>
+                </a:solidFill>
+                <a:latin typeface="Consolas" panose="020B0609020204030204" pitchFamily="49" charset="0"/>
+              </a:rPr>
+              <a:t>@@@</a:t>
+            </a:r>
+            <a:r>
+              <a:rPr lang="en-US" altLang="ko-KR" b="1">
                 <a:solidFill>
                   <a:srgbClr val="000000"/>
                 </a:solidFill>
@@ -7379,356 +7657,12 @@
               </a:rPr>
               <a:t>);</a:t>
             </a:r>
-          </a:p>
-          <a:p>
-            <a:r>
-              <a:rPr lang="en-US" altLang="ko-KR" dirty="0">
-                <a:solidFill>
-                  <a:srgbClr val="000000"/>
-                </a:solidFill>
-                <a:latin typeface="Consolas" panose="020B0609020204030204" pitchFamily="49" charset="0"/>
-              </a:rPr>
-              <a:t>        String </a:t>
-            </a:r>
-            <a:r>
-              <a:rPr lang="en-US" altLang="ko-KR" dirty="0" err="1">
-                <a:solidFill>
-                  <a:srgbClr val="6A3E3E"/>
-                </a:solidFill>
-                <a:latin typeface="Consolas" panose="020B0609020204030204" pitchFamily="49" charset="0"/>
-              </a:rPr>
-              <a:t>bCards</a:t>
-            </a:r>
-            <a:r>
-              <a:rPr lang="en-US" altLang="ko-KR" dirty="0">
-                <a:solidFill>
-                  <a:srgbClr val="000000"/>
-                </a:solidFill>
-                <a:latin typeface="Consolas" panose="020B0609020204030204" pitchFamily="49" charset="0"/>
-              </a:rPr>
-              <a:t> = </a:t>
-            </a:r>
-            <a:r>
-              <a:rPr lang="en-US" altLang="ko-KR" dirty="0" err="1">
-                <a:solidFill>
-                  <a:srgbClr val="000000"/>
-                </a:solidFill>
-                <a:latin typeface="Consolas" panose="020B0609020204030204" pitchFamily="49" charset="0"/>
-              </a:rPr>
-              <a:t>func_a</a:t>
-            </a:r>
-            <a:r>
-              <a:rPr lang="en-US" altLang="ko-KR" dirty="0">
-                <a:solidFill>
-                  <a:srgbClr val="000000"/>
-                </a:solidFill>
-                <a:latin typeface="Consolas" panose="020B0609020204030204" pitchFamily="49" charset="0"/>
-              </a:rPr>
-              <a:t>(</a:t>
-            </a:r>
-            <a:r>
-              <a:rPr lang="en-US" altLang="ko-KR" dirty="0">
-                <a:solidFill>
-                  <a:srgbClr val="6A3E3E"/>
-                </a:solidFill>
-                <a:latin typeface="Consolas" panose="020B0609020204030204" pitchFamily="49" charset="0"/>
-              </a:rPr>
-              <a:t>bundle</a:t>
-            </a:r>
-            <a:r>
-              <a:rPr lang="en-US" altLang="ko-KR" dirty="0">
-                <a:solidFill>
-                  <a:srgbClr val="000000"/>
-                </a:solidFill>
-                <a:latin typeface="Consolas" panose="020B0609020204030204" pitchFamily="49" charset="0"/>
-              </a:rPr>
-              <a:t>, 1, </a:t>
-            </a:r>
-            <a:r>
-              <a:rPr lang="en-US" altLang="ko-KR" dirty="0">
-                <a:solidFill>
-                  <a:srgbClr val="6A3E3E"/>
-                </a:solidFill>
-                <a:latin typeface="Consolas" panose="020B0609020204030204" pitchFamily="49" charset="0"/>
-              </a:rPr>
-              <a:t>n</a:t>
-            </a:r>
-            <a:r>
-              <a:rPr lang="en-US" altLang="ko-KR" dirty="0">
-                <a:solidFill>
-                  <a:srgbClr val="000000"/>
-                </a:solidFill>
-                <a:latin typeface="Consolas" panose="020B0609020204030204" pitchFamily="49" charset="0"/>
-              </a:rPr>
-              <a:t>);</a:t>
-            </a:r>
-          </a:p>
-          <a:p>
-            <a:r>
-              <a:rPr lang="en-US" altLang="ko-KR" dirty="0">
-                <a:solidFill>
-                  <a:srgbClr val="000000"/>
-                </a:solidFill>
-                <a:latin typeface="Consolas" panose="020B0609020204030204" pitchFamily="49" charset="0"/>
-              </a:rPr>
-              <a:t>        </a:t>
-            </a:r>
-            <a:r>
-              <a:rPr lang="en-US" altLang="ko-KR" b="1" dirty="0">
-                <a:solidFill>
-                  <a:srgbClr val="7F0055"/>
-                </a:solidFill>
-                <a:latin typeface="Consolas" panose="020B0609020204030204" pitchFamily="49" charset="0"/>
-              </a:rPr>
-              <a:t>int</a:t>
-            </a:r>
-            <a:r>
-              <a:rPr lang="en-US" altLang="ko-KR" b="1" dirty="0">
-                <a:solidFill>
-                  <a:srgbClr val="000000"/>
-                </a:solidFill>
-                <a:latin typeface="Consolas" panose="020B0609020204030204" pitchFamily="49" charset="0"/>
-              </a:rPr>
-              <a:t> </a:t>
-            </a:r>
-            <a:r>
-              <a:rPr lang="en-US" altLang="ko-KR" b="1" dirty="0" err="1">
-                <a:solidFill>
-                  <a:srgbClr val="6A3E3E"/>
-                </a:solidFill>
-                <a:latin typeface="Consolas" panose="020B0609020204030204" pitchFamily="49" charset="0"/>
-              </a:rPr>
-              <a:t>aScore</a:t>
-            </a:r>
-            <a:r>
-              <a:rPr lang="en-US" altLang="ko-KR" b="1" dirty="0">
-                <a:solidFill>
-                  <a:srgbClr val="000000"/>
-                </a:solidFill>
-                <a:latin typeface="Consolas" panose="020B0609020204030204" pitchFamily="49" charset="0"/>
-              </a:rPr>
-              <a:t> = </a:t>
-            </a:r>
-            <a:r>
-              <a:rPr lang="en-US" altLang="ko-KR" b="1" dirty="0" err="1">
-                <a:solidFill>
-                  <a:srgbClr val="000000"/>
-                </a:solidFill>
-                <a:latin typeface="Consolas" panose="020B0609020204030204" pitchFamily="49" charset="0"/>
-              </a:rPr>
-              <a:t>func_c</a:t>
-            </a:r>
-            <a:r>
-              <a:rPr lang="en-US" altLang="ko-KR" b="1" dirty="0">
-                <a:solidFill>
-                  <a:srgbClr val="000000"/>
-                </a:solidFill>
-                <a:latin typeface="Consolas" panose="020B0609020204030204" pitchFamily="49" charset="0"/>
-              </a:rPr>
-              <a:t>(</a:t>
-            </a:r>
-            <a:r>
-              <a:rPr lang="en-US" altLang="ko-KR" b="1" dirty="0" err="1">
-                <a:solidFill>
-                  <a:srgbClr val="6A3E3E"/>
-                </a:solidFill>
-                <a:latin typeface="Consolas" panose="020B0609020204030204" pitchFamily="49" charset="0"/>
-              </a:rPr>
-              <a:t>aCards</a:t>
-            </a:r>
-            <a:r>
-              <a:rPr lang="en-US" altLang="ko-KR" b="1" dirty="0">
-                <a:solidFill>
-                  <a:srgbClr val="000000"/>
-                </a:solidFill>
-                <a:latin typeface="Consolas" panose="020B0609020204030204" pitchFamily="49" charset="0"/>
-              </a:rPr>
-              <a:t>);</a:t>
-            </a:r>
-          </a:p>
-          <a:p>
-            <a:r>
-              <a:rPr lang="en-US" altLang="ko-KR" dirty="0">
-                <a:solidFill>
-                  <a:srgbClr val="000000"/>
-                </a:solidFill>
-                <a:latin typeface="Consolas" panose="020B0609020204030204" pitchFamily="49" charset="0"/>
-              </a:rPr>
-              <a:t>        </a:t>
-            </a:r>
-            <a:r>
-              <a:rPr lang="en-US" altLang="ko-KR" b="1" dirty="0">
-                <a:solidFill>
-                  <a:srgbClr val="7F0055"/>
-                </a:solidFill>
-                <a:latin typeface="Consolas" panose="020B0609020204030204" pitchFamily="49" charset="0"/>
-              </a:rPr>
-              <a:t>int</a:t>
-            </a:r>
-            <a:r>
-              <a:rPr lang="en-US" altLang="ko-KR" b="1" dirty="0">
-                <a:solidFill>
-                  <a:srgbClr val="000000"/>
-                </a:solidFill>
-                <a:latin typeface="Consolas" panose="020B0609020204030204" pitchFamily="49" charset="0"/>
-              </a:rPr>
-              <a:t> </a:t>
-            </a:r>
-            <a:r>
-              <a:rPr lang="en-US" altLang="ko-KR" b="1" dirty="0" err="1">
-                <a:solidFill>
-                  <a:srgbClr val="6A3E3E"/>
-                </a:solidFill>
-                <a:latin typeface="Consolas" panose="020B0609020204030204" pitchFamily="49" charset="0"/>
-              </a:rPr>
-              <a:t>bScore</a:t>
-            </a:r>
-            <a:r>
-              <a:rPr lang="en-US" altLang="ko-KR" b="1" dirty="0">
-                <a:solidFill>
-                  <a:srgbClr val="000000"/>
-                </a:solidFill>
-                <a:latin typeface="Consolas" panose="020B0609020204030204" pitchFamily="49" charset="0"/>
-              </a:rPr>
-              <a:t> = </a:t>
-            </a:r>
-            <a:r>
-              <a:rPr lang="en-US" altLang="ko-KR" b="1" dirty="0" err="1">
-                <a:solidFill>
-                  <a:srgbClr val="000000"/>
-                </a:solidFill>
-                <a:latin typeface="Consolas" panose="020B0609020204030204" pitchFamily="49" charset="0"/>
-              </a:rPr>
-              <a:t>func_c</a:t>
-            </a:r>
-            <a:r>
-              <a:rPr lang="en-US" altLang="ko-KR" b="1" dirty="0">
-                <a:solidFill>
-                  <a:srgbClr val="000000"/>
-                </a:solidFill>
-                <a:latin typeface="Consolas" panose="020B0609020204030204" pitchFamily="49" charset="0"/>
-              </a:rPr>
-              <a:t>(</a:t>
-            </a:r>
-            <a:r>
-              <a:rPr lang="en-US" altLang="ko-KR" b="1" dirty="0" err="1">
-                <a:solidFill>
-                  <a:srgbClr val="6A3E3E"/>
-                </a:solidFill>
-                <a:latin typeface="Consolas" panose="020B0609020204030204" pitchFamily="49" charset="0"/>
-              </a:rPr>
-              <a:t>bCards</a:t>
-            </a:r>
-            <a:r>
-              <a:rPr lang="en-US" altLang="ko-KR" b="1" dirty="0">
-                <a:solidFill>
-                  <a:srgbClr val="000000"/>
-                </a:solidFill>
-                <a:latin typeface="Consolas" panose="020B0609020204030204" pitchFamily="49" charset="0"/>
-              </a:rPr>
-              <a:t>);</a:t>
-            </a:r>
-          </a:p>
-          <a:p>
-            <a:r>
-              <a:rPr lang="en-US" altLang="ko-KR" dirty="0">
-                <a:solidFill>
-                  <a:srgbClr val="000000"/>
-                </a:solidFill>
-                <a:latin typeface="Consolas" panose="020B0609020204030204" pitchFamily="49" charset="0"/>
-              </a:rPr>
-              <a:t>        </a:t>
-            </a:r>
-            <a:r>
-              <a:rPr lang="en-US" altLang="ko-KR" b="1" dirty="0">
-                <a:solidFill>
-                  <a:srgbClr val="7F0055"/>
-                </a:solidFill>
-                <a:latin typeface="Consolas" panose="020B0609020204030204" pitchFamily="49" charset="0"/>
-              </a:rPr>
-              <a:t>int</a:t>
-            </a:r>
-            <a:r>
-              <a:rPr lang="en-US" altLang="ko-KR" b="1" dirty="0">
-                <a:solidFill>
-                  <a:srgbClr val="000000"/>
-                </a:solidFill>
-                <a:latin typeface="Consolas" panose="020B0609020204030204" pitchFamily="49" charset="0"/>
-              </a:rPr>
-              <a:t>[] </a:t>
-            </a:r>
-            <a:r>
-              <a:rPr lang="en-US" altLang="ko-KR" b="1" dirty="0">
-                <a:solidFill>
-                  <a:srgbClr val="6A3E3E"/>
-                </a:solidFill>
-                <a:latin typeface="Consolas" panose="020B0609020204030204" pitchFamily="49" charset="0"/>
-              </a:rPr>
-              <a:t>answer</a:t>
-            </a:r>
-            <a:r>
-              <a:rPr lang="en-US" altLang="ko-KR" b="1" dirty="0">
-                <a:solidFill>
-                  <a:srgbClr val="000000"/>
-                </a:solidFill>
-                <a:latin typeface="Consolas" panose="020B0609020204030204" pitchFamily="49" charset="0"/>
-              </a:rPr>
-              <a:t> = </a:t>
-            </a:r>
-            <a:r>
-              <a:rPr lang="en-US" altLang="ko-KR" b="1" dirty="0" err="1">
-                <a:solidFill>
-                  <a:srgbClr val="000000"/>
-                </a:solidFill>
-                <a:latin typeface="Consolas" panose="020B0609020204030204" pitchFamily="49" charset="0"/>
-              </a:rPr>
-              <a:t>func_b</a:t>
-            </a:r>
-            <a:r>
-              <a:rPr lang="en-US" altLang="ko-KR" b="1" dirty="0">
-                <a:solidFill>
-                  <a:srgbClr val="000000"/>
-                </a:solidFill>
-                <a:latin typeface="Consolas" panose="020B0609020204030204" pitchFamily="49" charset="0"/>
-              </a:rPr>
-              <a:t>(</a:t>
-            </a:r>
-            <a:r>
-              <a:rPr lang="en-US" altLang="ko-KR" b="1" dirty="0" err="1">
-                <a:solidFill>
-                  <a:srgbClr val="6A3E3E"/>
-                </a:solidFill>
-                <a:latin typeface="Consolas" panose="020B0609020204030204" pitchFamily="49" charset="0"/>
-              </a:rPr>
-              <a:t>aScore</a:t>
-            </a:r>
-            <a:r>
-              <a:rPr lang="en-US" altLang="ko-KR" b="1" dirty="0">
-                <a:solidFill>
-                  <a:srgbClr val="000000"/>
-                </a:solidFill>
-                <a:latin typeface="Consolas" panose="020B0609020204030204" pitchFamily="49" charset="0"/>
-              </a:rPr>
-              <a:t>, </a:t>
-            </a:r>
-            <a:r>
-              <a:rPr lang="en-US" altLang="ko-KR" b="1" dirty="0" err="1">
-                <a:solidFill>
-                  <a:srgbClr val="6A3E3E"/>
-                </a:solidFill>
-                <a:latin typeface="Consolas" panose="020B0609020204030204" pitchFamily="49" charset="0"/>
-              </a:rPr>
-              <a:t>bScore</a:t>
-            </a:r>
-            <a:r>
-              <a:rPr lang="en-US" altLang="ko-KR" b="1" dirty="0">
-                <a:solidFill>
-                  <a:srgbClr val="000000"/>
-                </a:solidFill>
-                <a:latin typeface="Consolas" panose="020B0609020204030204" pitchFamily="49" charset="0"/>
-              </a:rPr>
-              <a:t>);</a:t>
-            </a:r>
+            <a:endParaRPr lang="en-US" altLang="ko-KR" b="1" dirty="0">
+              <a:solidFill>
+                <a:srgbClr val="000000"/>
+              </a:solidFill>
+              <a:latin typeface="Consolas" panose="020B0609020204030204" pitchFamily="49" charset="0"/>
+            </a:endParaRPr>
           </a:p>
           <a:p>
             <a:r>
@@ -10638,18 +10572,18 @@
 </file>
 
 <file path=customXml/item2.xml><?xml version="1.0" encoding="utf-8"?>
+<p:properties xmlns:p="http://schemas.microsoft.com/office/2006/metadata/properties" xmlns:xsi="http://www.w3.org/2001/XMLSchema-instance" xmlns:pc="http://schemas.microsoft.com/office/infopath/2007/PartnerControls">
+  <documentManagement/>
+</p:properties>
+</file>
+
+<file path=customXml/item3.xml><?xml version="1.0" encoding="utf-8"?>
 <?mso-contentType ?>
 <FormTemplates xmlns="http://schemas.microsoft.com/sharepoint/v3/contenttype/forms">
   <Display>DocumentLibraryForm</Display>
   <Edit>DocumentLibraryForm</Edit>
   <New>DocumentLibraryForm</New>
 </FormTemplates>
-</file>
-
-<file path=customXml/item3.xml><?xml version="1.0" encoding="utf-8"?>
-<p:properties xmlns:p="http://schemas.microsoft.com/office/2006/metadata/properties" xmlns:xsi="http://www.w3.org/2001/XMLSchema-instance" xmlns:pc="http://schemas.microsoft.com/office/infopath/2007/PartnerControls">
-  <documentManagement/>
-</p:properties>
 </file>
 
 <file path=customXml/itemProps1.xml><?xml version="1.0" encoding="utf-8"?>
@@ -10671,14 +10605,6 @@
 </file>
 
 <file path=customXml/itemProps2.xml><?xml version="1.0" encoding="utf-8"?>
-<ds:datastoreItem xmlns:ds="http://schemas.openxmlformats.org/officeDocument/2006/customXml" ds:itemID="{345EFBB1-F094-4C6D-8718-1E8ED20E6336}">
-  <ds:schemaRefs>
-    <ds:schemaRef ds:uri="http://schemas.microsoft.com/sharepoint/v3/contenttype/forms"/>
-  </ds:schemaRefs>
-</ds:datastoreItem>
-</file>
-
-<file path=customXml/itemProps3.xml><?xml version="1.0" encoding="utf-8"?>
 <ds:datastoreItem xmlns:ds="http://schemas.openxmlformats.org/officeDocument/2006/customXml" ds:itemID="{25EAE23A-3607-48FE-BAEC-9A7219763BDD}">
   <ds:schemaRefs>
     <ds:schemaRef ds:uri="http://schemas.microsoft.com/office/2006/metadata/properties"/>
@@ -10692,4 +10618,12 @@
     <ds:schemaRef ds:uri="http://purl.org/dc/dcmitype/"/>
   </ds:schemaRefs>
 </ds:datastoreItem>
+</file>
+
+<file path=customXml/itemProps3.xml><?xml version="1.0" encoding="utf-8"?>
+<ds:datastoreItem xmlns:ds="http://schemas.openxmlformats.org/officeDocument/2006/customXml" ds:itemID="{345EFBB1-F094-4C6D-8718-1E8ED20E6336}">
+  <ds:schemaRefs>
+    <ds:schemaRef ds:uri="http://schemas.microsoft.com/sharepoint/v3/contenttype/forms"/>
+  </ds:schemaRefs>
+</ds:datastoreItem>
 </file>